--- a/Poster_Dances.pptx
+++ b/Poster_Dances.pptx
@@ -3141,41 +3141,6 @@
       </p:pic>
       <p:sp>
         <p:nvSpPr>
-          <p:cNvPr id="4" name="TextBox 3"/>
-          <p:cNvSpPr txBox="1"/>
-          <p:nvPr/>
-        </p:nvSpPr>
-        <p:spPr>
-          <a:xfrm>
-            <a:off x="0" y="304800"/>
-            <a:ext cx="29260799" cy="1569660"/>
-          </a:xfrm>
-          <a:prstGeom prst="rect">
-            <a:avLst/>
-          </a:prstGeom>
-          <a:noFill/>
-        </p:spPr>
-        <p:txBody>
-          <a:bodyPr wrap="square" rtlCol="0">
-            <a:spAutoFit/>
-          </a:bodyPr>
-          <a:lstStyle/>
-          <a:p>
-            <a:pPr algn="ctr"/>
-            <a:r>
-              <a:rPr lang="en-US" sz="9600" dirty="0"/>
-              <a:t>INITIAL 1-D SINGLE PHASE LIQUID VERIFICATION OF CTF</a:t>
-            </a:r>
-            <a:endParaRPr lang="en-US" sz="11500" dirty="0">
-              <a:solidFill>
-                <a:srgbClr val="003399"/>
-              </a:solidFill>
-            </a:endParaRPr>
-          </a:p>
-        </p:txBody>
-      </p:sp>
-      <p:sp>
-        <p:nvSpPr>
           <p:cNvPr id="5" name="TextBox 4"/>
           <p:cNvSpPr txBox="1"/>
           <p:nvPr/>
@@ -3308,7 +3273,7 @@
         <p:spPr>
           <a:xfrm>
             <a:off x="245151" y="6553200"/>
-            <a:ext cx="14173200" cy="13898880"/>
+            <a:ext cx="14156649" cy="13898880"/>
           </a:xfrm>
           <a:prstGeom prst="rect">
             <a:avLst/>
@@ -3389,8 +3354,8 @@
         </p:nvSpPr>
         <p:spPr>
           <a:xfrm>
-            <a:off x="15087600" y="30480000"/>
-            <a:ext cx="14173200" cy="1231106"/>
+            <a:off x="15087600" y="30861000"/>
+            <a:ext cx="13868400" cy="1231106"/>
           </a:xfrm>
           <a:prstGeom prst="rect">
             <a:avLst/>
@@ -3436,7 +3401,7 @@
         </p:nvSpPr>
         <p:spPr>
           <a:xfrm>
-            <a:off x="418333" y="6553200"/>
+            <a:off x="228600" y="6553200"/>
             <a:ext cx="14173200" cy="1231106"/>
           </a:xfrm>
           <a:prstGeom prst="rect">
@@ -3457,7 +3422,7 @@
                   <a:srgbClr val="003399"/>
                 </a:solidFill>
               </a:rPr>
-              <a:t>Introduction</a:t>
+              <a:t>1-D Single Phase Equations</a:t>
             </a:r>
             <a:endParaRPr lang="en-US" b="1" dirty="0">
               <a:solidFill>
@@ -3475,7 +3440,7 @@
         </p:nvSpPr>
         <p:spPr>
           <a:xfrm>
-            <a:off x="307978" y="21046613"/>
+            <a:off x="228600" y="20878800"/>
             <a:ext cx="14173200" cy="1243417"/>
           </a:xfrm>
           <a:prstGeom prst="rect">
@@ -3502,353 +3467,6 @@
               <a:solidFill>
                 <a:srgbClr val="003399"/>
               </a:solidFill>
-            </a:endParaRPr>
-          </a:p>
-        </p:txBody>
-      </p:sp>
-      <p:sp>
-        <p:nvSpPr>
-          <p:cNvPr id="14" name="Rectangle 13"/>
-          <p:cNvSpPr/>
-          <p:nvPr/>
-        </p:nvSpPr>
-        <p:spPr>
-          <a:xfrm>
-            <a:off x="570733" y="8153400"/>
-            <a:ext cx="8305800" cy="12035601"/>
-          </a:xfrm>
-          <a:prstGeom prst="rect">
-            <a:avLst/>
-          </a:prstGeom>
-        </p:spPr>
-        <p:txBody>
-          <a:bodyPr wrap="square">
-            <a:spAutoFit/>
-          </a:bodyPr>
-          <a:lstStyle/>
-          <a:p>
-            <a:pPr marR="0" lvl="0" algn="just">
-              <a:lnSpc>
-                <a:spcPct val="130000"/>
-              </a:lnSpc>
-              <a:spcBef>
-                <a:spcPts val="0"/>
-              </a:spcBef>
-              <a:spcAft>
-                <a:spcPts val="0"/>
-              </a:spcAft>
-            </a:pPr>
-            <a:r>
-              <a:rPr lang="en-US" sz="2600" dirty="0" smtClean="0">
-                <a:ea typeface="Calibri"/>
-                <a:cs typeface="Times New Roman"/>
-              </a:rPr>
-              <a:t>CTF is a FORTRAN based code </a:t>
-            </a:r>
-            <a:r>
-              <a:rPr lang="en-US" sz="2600" dirty="0">
-                <a:ea typeface="Calibri"/>
-                <a:cs typeface="Times New Roman"/>
-              </a:rPr>
-              <a:t>solves 8 conservation equations for liquid, entrained droplet, and vapor phases phases, </a:t>
-            </a:r>
-            <a:r>
-              <a:rPr lang="en-US" sz="2600" dirty="0" smtClean="0">
-                <a:ea typeface="Calibri"/>
-                <a:cs typeface="Times New Roman"/>
-              </a:rPr>
-              <a:t>plus one </a:t>
-            </a:r>
-            <a:r>
-              <a:rPr lang="en-US" sz="2600" dirty="0">
-                <a:ea typeface="Calibri"/>
-                <a:cs typeface="Times New Roman"/>
-              </a:rPr>
-              <a:t>conservation equation for non-condensable gases. A 1-D residual formulation of the code </a:t>
-            </a:r>
-            <a:r>
-              <a:rPr lang="en-US" sz="2600" dirty="0" smtClean="0">
-                <a:ea typeface="Calibri"/>
-                <a:cs typeface="Times New Roman"/>
-              </a:rPr>
-              <a:t>has been </a:t>
-            </a:r>
-            <a:r>
-              <a:rPr lang="en-US" sz="2600" dirty="0">
-                <a:ea typeface="Calibri"/>
-                <a:cs typeface="Times New Roman"/>
-              </a:rPr>
-              <a:t>created. While other residual formulations have </a:t>
-            </a:r>
-            <a:r>
-              <a:rPr lang="en-US" sz="2600" dirty="0" smtClean="0">
-                <a:ea typeface="Calibri"/>
-                <a:cs typeface="Times New Roman"/>
-              </a:rPr>
-              <a:t>been formed </a:t>
-            </a:r>
-            <a:r>
-              <a:rPr lang="en-US" sz="2600" dirty="0">
-                <a:ea typeface="Calibri"/>
-                <a:cs typeface="Times New Roman"/>
-              </a:rPr>
-              <a:t>for other versions of </a:t>
-            </a:r>
-            <a:r>
-              <a:rPr lang="en-US" sz="2600" dirty="0" smtClean="0">
-                <a:ea typeface="Calibri"/>
-                <a:cs typeface="Times New Roman"/>
-              </a:rPr>
-              <a:t>COBRATF [</a:t>
-            </a:r>
-            <a:r>
-              <a:rPr lang="en-US" sz="2600" dirty="0">
-                <a:ea typeface="Calibri"/>
-                <a:cs typeface="Times New Roman"/>
-              </a:rPr>
-              <a:t>2], none have been </a:t>
-            </a:r>
-            <a:r>
-              <a:rPr lang="en-US" sz="2600" dirty="0" smtClean="0">
-                <a:ea typeface="Calibri"/>
-                <a:cs typeface="Times New Roman"/>
-              </a:rPr>
-              <a:t>integrated into </a:t>
-            </a:r>
-            <a:r>
-              <a:rPr lang="en-US" sz="2600" dirty="0">
-                <a:ea typeface="Calibri"/>
-                <a:cs typeface="Times New Roman"/>
-              </a:rPr>
-              <a:t>the CASL version of CTF. The current version of CTF </a:t>
-            </a:r>
-            <a:r>
-              <a:rPr lang="en-US" sz="2600" dirty="0" smtClean="0">
-                <a:ea typeface="Calibri"/>
-                <a:cs typeface="Times New Roman"/>
-              </a:rPr>
-              <a:t>has standard </a:t>
-            </a:r>
-            <a:r>
-              <a:rPr lang="en-US" sz="2600" dirty="0">
-                <a:ea typeface="Calibri"/>
-                <a:cs typeface="Times New Roman"/>
-              </a:rPr>
-              <a:t>verification practices that focus on software quality engineering </a:t>
-            </a:r>
-            <a:r>
-              <a:rPr lang="en-US" sz="2600" dirty="0" smtClean="0">
-                <a:ea typeface="Calibri"/>
-                <a:cs typeface="Times New Roman"/>
-              </a:rPr>
-              <a:t>similar to </a:t>
-            </a:r>
-            <a:r>
-              <a:rPr lang="en-US" sz="2600" dirty="0">
-                <a:ea typeface="Calibri"/>
-                <a:cs typeface="Times New Roman"/>
-              </a:rPr>
-              <a:t>those in </a:t>
-            </a:r>
-            <a:r>
-              <a:rPr lang="en-US" sz="2600" dirty="0" smtClean="0">
-                <a:ea typeface="Calibri"/>
-                <a:cs typeface="Times New Roman"/>
-              </a:rPr>
-              <a:t>other versions </a:t>
-            </a:r>
-            <a:r>
-              <a:rPr lang="en-US" sz="2600" dirty="0">
-                <a:ea typeface="Calibri"/>
-                <a:cs typeface="Times New Roman"/>
-              </a:rPr>
-              <a:t>of COBRA-TF [3], but lacks an in </a:t>
-            </a:r>
-            <a:r>
-              <a:rPr lang="en-US" sz="2600" dirty="0" smtClean="0">
-                <a:ea typeface="Calibri"/>
-                <a:cs typeface="Times New Roman"/>
-              </a:rPr>
-              <a:t>depth verification </a:t>
-            </a:r>
-            <a:r>
-              <a:rPr lang="en-US" sz="2600" dirty="0">
-                <a:ea typeface="Calibri"/>
-                <a:cs typeface="Times New Roman"/>
-              </a:rPr>
-              <a:t>document that focuses on </a:t>
-            </a:r>
-            <a:r>
-              <a:rPr lang="en-US" sz="2600" dirty="0" smtClean="0">
-                <a:ea typeface="Calibri"/>
-                <a:cs typeface="Times New Roman"/>
-              </a:rPr>
-              <a:t>numerical algorithm </a:t>
-            </a:r>
-            <a:r>
-              <a:rPr lang="en-US" sz="2600" dirty="0">
-                <a:ea typeface="Calibri"/>
-                <a:cs typeface="Times New Roman"/>
-              </a:rPr>
-              <a:t>verification. This paper </a:t>
-            </a:r>
-            <a:r>
-              <a:rPr lang="en-US" sz="2600" dirty="0" smtClean="0">
-                <a:ea typeface="Calibri"/>
-                <a:cs typeface="Times New Roman"/>
-              </a:rPr>
-              <a:t>focuses </a:t>
-            </a:r>
-            <a:r>
-              <a:rPr lang="en-US" sz="2600" dirty="0">
-                <a:ea typeface="Calibri"/>
-                <a:cs typeface="Times New Roman"/>
-              </a:rPr>
-              <a:t>on this second type of verification </a:t>
-            </a:r>
-            <a:r>
-              <a:rPr lang="en-US" sz="2600" dirty="0" smtClean="0">
-                <a:ea typeface="Calibri"/>
-                <a:cs typeface="Times New Roman"/>
-              </a:rPr>
-              <a:t>and outlines </a:t>
-            </a:r>
-            <a:r>
-              <a:rPr lang="en-US" sz="2600" dirty="0">
-                <a:ea typeface="Calibri"/>
-                <a:cs typeface="Times New Roman"/>
-              </a:rPr>
-              <a:t>the </a:t>
-            </a:r>
-            <a:r>
-              <a:rPr lang="en-US" sz="2600" dirty="0" smtClean="0">
-                <a:ea typeface="Calibri"/>
-                <a:cs typeface="Times New Roman"/>
-              </a:rPr>
-              <a:t>initial verification </a:t>
-            </a:r>
-            <a:r>
-              <a:rPr lang="en-US" sz="2600" dirty="0">
-                <a:ea typeface="Calibri"/>
-                <a:cs typeface="Times New Roman"/>
-              </a:rPr>
-              <a:t>of the original version of the code as well as the residual version of the code. </a:t>
-            </a:r>
-            <a:r>
-              <a:rPr lang="en-US" sz="2600" dirty="0" smtClean="0">
-                <a:ea typeface="Calibri"/>
-                <a:cs typeface="Times New Roman"/>
-              </a:rPr>
-              <a:t>The verification </a:t>
-            </a:r>
-            <a:r>
-              <a:rPr lang="en-US" sz="2600" dirty="0">
-                <a:ea typeface="Calibri"/>
-                <a:cs typeface="Times New Roman"/>
-              </a:rPr>
-              <a:t>problem is a single phase 1-D channel with transient inlet density and mass flow </a:t>
-            </a:r>
-            <a:r>
-              <a:rPr lang="en-US" sz="2600" dirty="0" smtClean="0">
-                <a:ea typeface="Calibri"/>
-                <a:cs typeface="Times New Roman"/>
-              </a:rPr>
-              <a:t>rate. The </a:t>
-            </a:r>
-            <a:r>
-              <a:rPr lang="en-US" sz="2600" dirty="0">
-                <a:ea typeface="Calibri"/>
-                <a:cs typeface="Times New Roman"/>
-              </a:rPr>
-              <a:t>problem will undergo a Richardson’s extrapolation in the temporal and spatial domains </a:t>
-            </a:r>
-            <a:r>
-              <a:rPr lang="en-US" sz="2600" dirty="0" smtClean="0">
-                <a:ea typeface="Calibri"/>
-                <a:cs typeface="Times New Roman"/>
-              </a:rPr>
-              <a:t>to verify </a:t>
-            </a:r>
-            <a:r>
-              <a:rPr lang="en-US" sz="2600" dirty="0">
-                <a:ea typeface="Calibri"/>
-                <a:cs typeface="Times New Roman"/>
-              </a:rPr>
-              <a:t>the convergence and order </a:t>
-            </a:r>
-            <a:r>
-              <a:rPr lang="en-US" sz="2600" dirty="0" smtClean="0">
-                <a:ea typeface="Calibri"/>
-                <a:cs typeface="Times New Roman"/>
-              </a:rPr>
-              <a:t>of accuracy </a:t>
-            </a:r>
-            <a:r>
-              <a:rPr lang="en-US" sz="2600" dirty="0">
-                <a:ea typeface="Calibri"/>
-                <a:cs typeface="Times New Roman"/>
-              </a:rPr>
-              <a:t>of the error. The study of the order of accuracy </a:t>
-            </a:r>
-            <a:r>
-              <a:rPr lang="en-US" sz="2600" dirty="0" smtClean="0">
-                <a:ea typeface="Calibri"/>
-                <a:cs typeface="Times New Roman"/>
-              </a:rPr>
-              <a:t>is considered </a:t>
-            </a:r>
-            <a:r>
-              <a:rPr lang="en-US" sz="2600" dirty="0">
-                <a:ea typeface="Calibri"/>
-                <a:cs typeface="Times New Roman"/>
-              </a:rPr>
-              <a:t>one of the more rigorous verification criteria [4]. This work will </a:t>
-            </a:r>
-            <a:r>
-              <a:rPr lang="en-US" sz="2600" dirty="0" smtClean="0">
-                <a:ea typeface="Calibri"/>
-                <a:cs typeface="Times New Roman"/>
-              </a:rPr>
-              <a:t>be expanded </a:t>
-            </a:r>
-            <a:r>
-              <a:rPr lang="en-US" sz="2600" dirty="0">
-                <a:ea typeface="Calibri"/>
-                <a:cs typeface="Times New Roman"/>
-              </a:rPr>
-              <a:t>to </a:t>
-            </a:r>
-            <a:r>
-              <a:rPr lang="en-US" sz="2600" dirty="0" smtClean="0">
-                <a:ea typeface="Calibri"/>
-                <a:cs typeface="Times New Roman"/>
-              </a:rPr>
-              <a:t>perform verification </a:t>
-            </a:r>
-            <a:r>
-              <a:rPr lang="en-US" sz="2600" dirty="0">
-                <a:ea typeface="Calibri"/>
-                <a:cs typeface="Times New Roman"/>
-              </a:rPr>
-              <a:t>on the single phase equations in both axial and transverse dimensions [5], and </a:t>
-            </a:r>
-            <a:r>
-              <a:rPr lang="en-US" sz="2600" dirty="0" smtClean="0">
-                <a:ea typeface="Calibri"/>
-                <a:cs typeface="Times New Roman"/>
-              </a:rPr>
-              <a:t>coupled fluid </a:t>
-            </a:r>
-            <a:r>
-              <a:rPr lang="en-US" sz="2600" dirty="0">
-                <a:ea typeface="Calibri"/>
-                <a:cs typeface="Times New Roman"/>
-              </a:rPr>
-              <a:t>heat conduction [6].</a:t>
-            </a:r>
-            <a:endParaRPr lang="en-US" sz="2600" dirty="0">
-              <a:ea typeface="Calibri"/>
-              <a:cs typeface="Times New Roman"/>
             </a:endParaRPr>
           </a:p>
         </p:txBody>
@@ -3875,7 +3493,7 @@
         </p:blipFill>
         <p:spPr>
           <a:xfrm>
-            <a:off x="9105133" y="15163800"/>
+            <a:off x="9372600" y="15697200"/>
             <a:ext cx="4648200" cy="4404723"/>
           </a:xfrm>
           <a:prstGeom prst="rect">
@@ -3905,8 +3523,8 @@
         </p:blipFill>
         <p:spPr>
           <a:xfrm>
-            <a:off x="9714733" y="8153400"/>
-            <a:ext cx="3429000" cy="6370820"/>
+            <a:off x="10439400" y="8077200"/>
+            <a:ext cx="3886200" cy="7220263"/>
           </a:xfrm>
           <a:prstGeom prst="rect">
             <a:avLst/>
@@ -3965,7 +3583,7 @@
         </p:blipFill>
         <p:spPr>
           <a:xfrm>
-            <a:off x="352434" y="28227342"/>
+            <a:off x="352434" y="28455942"/>
             <a:ext cx="7067544" cy="5300658"/>
           </a:xfrm>
           <a:prstGeom prst="rect">
@@ -4025,7 +3643,7 @@
         </p:blipFill>
         <p:spPr>
           <a:xfrm>
-            <a:off x="7162800" y="28160658"/>
+            <a:off x="7162800" y="28379742"/>
             <a:ext cx="7169144" cy="5376858"/>
           </a:xfrm>
           <a:prstGeom prst="rect">
@@ -4041,7 +3659,7 @@
         </p:nvSpPr>
         <p:spPr>
           <a:xfrm>
-            <a:off x="14820133" y="6477000"/>
+            <a:off x="14782800" y="6605183"/>
             <a:ext cx="14173200" cy="1243417"/>
           </a:xfrm>
           <a:prstGeom prst="rect">
@@ -5102,8 +4720,8 @@
         </p:nvSpPr>
         <p:spPr>
           <a:xfrm>
-            <a:off x="14820133" y="6553200"/>
-            <a:ext cx="14173200" cy="13898880"/>
+            <a:off x="14782800" y="6553200"/>
+            <a:ext cx="14210533" cy="13898880"/>
           </a:xfrm>
           <a:prstGeom prst="rect">
             <a:avLst/>
@@ -5303,8 +4921,8 @@
         </p:nvSpPr>
         <p:spPr>
           <a:xfrm>
-            <a:off x="14935200" y="31699200"/>
-            <a:ext cx="13868400" cy="4154983"/>
+            <a:off x="14935200" y="31927800"/>
+            <a:ext cx="13868400" cy="4093428"/>
           </a:xfrm>
           <a:prstGeom prst="rect">
             <a:avLst/>
@@ -5318,138 +4936,50 @@
           <a:p>
             <a:pPr algn="just"/>
             <a:r>
-              <a:rPr lang="en-US" sz="2400" dirty="0"/>
-              <a:t>The residual formulation of CTF allows for a numerical computation of the </a:t>
-            </a:r>
-            <a:r>
-              <a:rPr lang="en-US" sz="2400" dirty="0" smtClean="0"/>
-              <a:t>multivariable </a:t>
-            </a:r>
-            <a:r>
-              <a:rPr lang="en-US" sz="2400" dirty="0" err="1" smtClean="0"/>
+              <a:rPr lang="en-US" sz="2600" dirty="0" smtClean="0"/>
+              <a:t>The residual formulation of CTF allows for a numerical computation of the multivariable </a:t>
+            </a:r>
+            <a:r>
+              <a:rPr lang="en-US" sz="2600" dirty="0" err="1" smtClean="0"/>
               <a:t>Jacobian</a:t>
             </a:r>
             <a:r>
-              <a:rPr lang="en-US" sz="2400" dirty="0" smtClean="0"/>
-              <a:t> </a:t>
-            </a:r>
-            <a:r>
-              <a:rPr lang="en-US" sz="2400" dirty="0"/>
-              <a:t>matrix compared to the original analytical derivation of a pressure matrix. The 1-</a:t>
-            </a:r>
-            <a:r>
-              <a:rPr lang="en-US" sz="2400" dirty="0" smtClean="0"/>
-              <a:t>D isokinetic </a:t>
-            </a:r>
-            <a:r>
-              <a:rPr lang="en-US" sz="2400" dirty="0"/>
-              <a:t>single phase liquid verification problem is a good verification problem due its </a:t>
-            </a:r>
-            <a:r>
-              <a:rPr lang="en-US" sz="2400" dirty="0" smtClean="0"/>
-              <a:t>isolation of </a:t>
-            </a:r>
-            <a:r>
-              <a:rPr lang="en-US" sz="2400" dirty="0"/>
-              <a:t>the order of accuracies through </a:t>
-            </a:r>
-            <a:r>
-              <a:rPr lang="en-US" sz="2400" dirty="0" smtClean="0"/>
-              <a:t>modified equation </a:t>
-            </a:r>
-            <a:r>
-              <a:rPr lang="en-US" sz="2400" dirty="0"/>
-              <a:t>analysis. The discretization error for </a:t>
-            </a:r>
-            <a:r>
-              <a:rPr lang="en-US" sz="2400" dirty="0" smtClean="0"/>
-              <a:t>both versions </a:t>
-            </a:r>
-            <a:r>
-              <a:rPr lang="en-US" sz="2400" dirty="0"/>
-              <a:t>of the code converged </a:t>
-            </a:r>
-            <a:r>
-              <a:rPr lang="en-US" sz="2400" dirty="0" smtClean="0"/>
-              <a:t>to zero </a:t>
-            </a:r>
-            <a:r>
-              <a:rPr lang="en-US" sz="2400" dirty="0"/>
-              <a:t>with decreasing time step and axial mesh size. The order </a:t>
-            </a:r>
-            <a:r>
-              <a:rPr lang="en-US" sz="2400" dirty="0" smtClean="0"/>
-              <a:t>of accuracy </a:t>
-            </a:r>
-            <a:r>
-              <a:rPr lang="en-US" sz="2400" dirty="0"/>
-              <a:t>for </a:t>
-            </a:r>
-            <a:r>
-              <a:rPr lang="en-US" sz="2400" dirty="0" smtClean="0"/>
-              <a:t>the temporal </a:t>
-            </a:r>
-            <a:r>
-              <a:rPr lang="en-US" sz="2400" dirty="0"/>
-              <a:t>and spatial refinements matched very closely with the modified </a:t>
-            </a:r>
-            <a:r>
-              <a:rPr lang="en-US" sz="2400" dirty="0" smtClean="0"/>
-              <a:t>equation analysis </a:t>
-            </a:r>
-            <a:r>
-              <a:rPr lang="en-US" sz="2400" dirty="0"/>
-              <a:t>for both codes. For all of these data points, the residual formulation of </a:t>
-            </a:r>
-            <a:r>
-              <a:rPr lang="en-US" sz="2400" dirty="0" smtClean="0"/>
-              <a:t>the code showed discretization </a:t>
-            </a:r>
-            <a:r>
-              <a:rPr lang="en-US" sz="2400" dirty="0"/>
-              <a:t>errors that were very close with the original version of the code. Future work </a:t>
-            </a:r>
-            <a:r>
-              <a:rPr lang="en-US" sz="2400" dirty="0" smtClean="0"/>
-              <a:t>should compare </a:t>
-            </a:r>
-            <a:r>
-              <a:rPr lang="en-US" sz="2400" dirty="0"/>
-              <a:t>the numerical error obtained in the code to </a:t>
-            </a:r>
-            <a:r>
-              <a:rPr lang="en-US" sz="2400" dirty="0" smtClean="0"/>
-              <a:t>the analytical </a:t>
-            </a:r>
-            <a:r>
-              <a:rPr lang="en-US" sz="2400" dirty="0"/>
-              <a:t>error predicted by the </a:t>
-            </a:r>
-            <a:r>
-              <a:rPr lang="en-US" sz="2400" dirty="0" smtClean="0"/>
-              <a:t>modified equation </a:t>
-            </a:r>
-            <a:r>
-              <a:rPr lang="en-US" sz="2400" dirty="0"/>
-              <a:t>analysis using the derivatives </a:t>
-            </a:r>
-            <a:r>
-              <a:rPr lang="en-US" sz="2400" dirty="0" smtClean="0"/>
-              <a:t>of the </a:t>
-            </a:r>
-            <a:r>
-              <a:rPr lang="en-US" sz="2400" dirty="0"/>
-              <a:t>known solutions. While within the asymptotic range</a:t>
-            </a:r>
-            <a:r>
-              <a:rPr lang="en-US" sz="2400" dirty="0" smtClean="0"/>
-              <a:t>, the </a:t>
-            </a:r>
-            <a:r>
-              <a:rPr lang="en-US" sz="2400" dirty="0"/>
-              <a:t>first order accurate analytical error should almost exactly match the error from the code.</a:t>
-            </a:r>
-            <a:endParaRPr lang="en-US" sz="2400" dirty="0"/>
+              <a:rPr lang="en-US" sz="2600" dirty="0" smtClean="0"/>
+              <a:t> matrix compared to the original analytical derivation of a pressure matrix. The 1-D isokinetic single phase liquid verification problem is a good verification problem due its isolation of the order of accuracies through modified equation analysis. The discretization error for both versions of the code converged to zero with decreasing time step and axial mesh size. The order of accuracy for the temporal and spatial refinements matched very closely with the modified equation analysis for both codes. For all of these data points, the residual formulation of the code showed discretization errors that were very close with the original version of the </a:t>
+            </a:r>
+            <a:r>
+              <a:rPr lang="en-US" sz="2600" dirty="0"/>
+              <a:t>code. This work will be expanded to </a:t>
+            </a:r>
+            <a:r>
+              <a:rPr lang="en-US" sz="2600" dirty="0" smtClean="0"/>
+              <a:t>perform verification </a:t>
+            </a:r>
+            <a:r>
+              <a:rPr lang="en-US" sz="2600" dirty="0"/>
+              <a:t>on the single phase equations in both axial and transverse </a:t>
+            </a:r>
+            <a:r>
+              <a:rPr lang="en-US" sz="2600" dirty="0" smtClean="0"/>
+              <a:t>dimensions, </a:t>
+            </a:r>
+            <a:r>
+              <a:rPr lang="en-US" sz="2600" dirty="0"/>
+              <a:t>and </a:t>
+            </a:r>
+            <a:r>
+              <a:rPr lang="en-US" sz="2600" dirty="0" smtClean="0"/>
+              <a:t>coupled fluid </a:t>
+            </a:r>
+            <a:r>
+              <a:rPr lang="en-US" sz="2600" dirty="0"/>
+              <a:t>heat </a:t>
+            </a:r>
+            <a:r>
+              <a:rPr lang="en-US" sz="2600" dirty="0" smtClean="0"/>
+              <a:t>conduction. </a:t>
+            </a:r>
+            <a:endParaRPr lang="en-US" sz="2600" dirty="0"/>
           </a:p>
         </p:txBody>
       </p:sp>
@@ -5461,7 +4991,7 @@
         </p:nvSpPr>
         <p:spPr>
           <a:xfrm>
-            <a:off x="304800" y="34061400"/>
+            <a:off x="304800" y="33909000"/>
             <a:ext cx="14097000" cy="1652760"/>
           </a:xfrm>
           <a:prstGeom prst="rect">
@@ -5581,7 +5111,7 @@
         </p:nvSpPr>
         <p:spPr>
           <a:xfrm>
-            <a:off x="15090778" y="21064542"/>
+            <a:off x="14782800" y="20802600"/>
             <a:ext cx="14173200" cy="1243417"/>
           </a:xfrm>
           <a:prstGeom prst="rect">
@@ -5602,7 +5132,7 @@
                   <a:srgbClr val="003399"/>
                 </a:solidFill>
               </a:rPr>
-              <a:t>Verification Results</a:t>
+              <a:t>Error Comparison</a:t>
             </a:r>
             <a:endParaRPr lang="en-US" b="1" dirty="0">
               <a:solidFill>
@@ -5633,8 +5163,8 @@
         </p:blipFill>
         <p:spPr>
           <a:xfrm>
-            <a:off x="16002000" y="22250400"/>
-            <a:ext cx="11638200" cy="6215058"/>
+            <a:off x="15621000" y="22098000"/>
+            <a:ext cx="12437562" cy="6641935"/>
           </a:xfrm>
           <a:prstGeom prst="rect">
             <a:avLst/>
@@ -5649,7 +5179,7 @@
         </p:nvSpPr>
         <p:spPr>
           <a:xfrm>
-            <a:off x="15011400" y="28422600"/>
+            <a:off x="15011400" y="28803600"/>
             <a:ext cx="13716000" cy="2152897"/>
           </a:xfrm>
           <a:prstGeom prst="rect">
@@ -5748,6 +5278,665 @@
               </a:rPr>
               <a:t>Scaled expected error matches closely with observed error while in asymptotic range</a:t>
             </a:r>
+          </a:p>
+        </p:txBody>
+      </p:sp>
+      <p:pic>
+        <p:nvPicPr>
+          <p:cNvPr id="24" name="Picture 23" descr="mass_FDE.png"/>
+          <p:cNvPicPr>
+            <a:picLocks noChangeAspect="1"/>
+          </p:cNvPicPr>
+          <p:nvPr/>
+        </p:nvPicPr>
+        <p:blipFill>
+          <a:blip r:embed="rId13">
+            <a:extLst>
+              <a:ext uri="{28A0092B-C50C-407E-A947-70E740481C1C}">
+                <a14:useLocalDpi xmlns:a14="http://schemas.microsoft.com/office/drawing/2010/main" val="0"/>
+              </a:ext>
+            </a:extLst>
+          </a:blip>
+          <a:stretch>
+            <a:fillRect/>
+          </a:stretch>
+        </p:blipFill>
+        <p:spPr>
+          <a:xfrm>
+            <a:off x="1371600" y="8686800"/>
+            <a:ext cx="6276472" cy="1174907"/>
+          </a:xfrm>
+          <a:prstGeom prst="rect">
+            <a:avLst/>
+          </a:prstGeom>
+        </p:spPr>
+      </p:pic>
+      <p:pic>
+        <p:nvPicPr>
+          <p:cNvPr id="25" name="Picture 24" descr="momentum_FDE.png"/>
+          <p:cNvPicPr>
+            <a:picLocks noChangeAspect="1"/>
+          </p:cNvPicPr>
+          <p:nvPr/>
+        </p:nvPicPr>
+        <p:blipFill>
+          <a:blip r:embed="rId14">
+            <a:extLst>
+              <a:ext uri="{28A0092B-C50C-407E-A947-70E740481C1C}">
+                <a14:useLocalDpi xmlns:a14="http://schemas.microsoft.com/office/drawing/2010/main" val="0"/>
+              </a:ext>
+            </a:extLst>
+          </a:blip>
+          <a:stretch>
+            <a:fillRect/>
+          </a:stretch>
+        </p:blipFill>
+        <p:spPr>
+          <a:xfrm>
+            <a:off x="1371600" y="9753600"/>
+            <a:ext cx="8834720" cy="1180276"/>
+          </a:xfrm>
+          <a:prstGeom prst="rect">
+            <a:avLst/>
+          </a:prstGeom>
+        </p:spPr>
+      </p:pic>
+      <p:pic>
+        <p:nvPicPr>
+          <p:cNvPr id="26" name="Picture 25" descr="energy_FDE_1.png"/>
+          <p:cNvPicPr>
+            <a:picLocks noChangeAspect="1"/>
+          </p:cNvPicPr>
+          <p:nvPr/>
+        </p:nvPicPr>
+        <p:blipFill>
+          <a:blip r:embed="rId15">
+            <a:extLst>
+              <a:ext uri="{28A0092B-C50C-407E-A947-70E740481C1C}">
+                <a14:useLocalDpi xmlns:a14="http://schemas.microsoft.com/office/drawing/2010/main" val="0"/>
+              </a:ext>
+            </a:extLst>
+          </a:blip>
+          <a:stretch>
+            <a:fillRect/>
+          </a:stretch>
+        </p:blipFill>
+        <p:spPr>
+          <a:xfrm>
+            <a:off x="1340358" y="10820400"/>
+            <a:ext cx="8604514" cy="914400"/>
+          </a:xfrm>
+          <a:prstGeom prst="rect">
+            <a:avLst/>
+          </a:prstGeom>
+        </p:spPr>
+      </p:pic>
+      <p:pic>
+        <p:nvPicPr>
+          <p:cNvPr id="52" name="Picture 51" descr="energy_FDE_2.png"/>
+          <p:cNvPicPr>
+            <a:picLocks noChangeAspect="1"/>
+          </p:cNvPicPr>
+          <p:nvPr/>
+        </p:nvPicPr>
+        <p:blipFill>
+          <a:blip r:embed="rId16">
+            <a:extLst>
+              <a:ext uri="{28A0092B-C50C-407E-A947-70E740481C1C}">
+                <a14:useLocalDpi xmlns:a14="http://schemas.microsoft.com/office/drawing/2010/main" val="0"/>
+              </a:ext>
+            </a:extLst>
+          </a:blip>
+          <a:stretch>
+            <a:fillRect/>
+          </a:stretch>
+        </p:blipFill>
+        <p:spPr>
+          <a:xfrm>
+            <a:off x="4111841" y="11734800"/>
+            <a:ext cx="4000865" cy="990600"/>
+          </a:xfrm>
+          <a:prstGeom prst="rect">
+            <a:avLst/>
+          </a:prstGeom>
+        </p:spPr>
+      </p:pic>
+      <p:pic>
+        <p:nvPicPr>
+          <p:cNvPr id="53" name="Picture 52" descr="EOS_FDE.png"/>
+          <p:cNvPicPr>
+            <a:picLocks noChangeAspect="1"/>
+          </p:cNvPicPr>
+          <p:nvPr/>
+        </p:nvPicPr>
+        <p:blipFill>
+          <a:blip r:embed="rId17">
+            <a:extLst>
+              <a:ext uri="{28A0092B-C50C-407E-A947-70E740481C1C}">
+                <a14:useLocalDpi xmlns:a14="http://schemas.microsoft.com/office/drawing/2010/main" val="0"/>
+              </a:ext>
+            </a:extLst>
+          </a:blip>
+          <a:stretch>
+            <a:fillRect/>
+          </a:stretch>
+        </p:blipFill>
+        <p:spPr>
+          <a:xfrm>
+            <a:off x="1143000" y="12725400"/>
+            <a:ext cx="9321798" cy="987015"/>
+          </a:xfrm>
+          <a:prstGeom prst="rect">
+            <a:avLst/>
+          </a:prstGeom>
+        </p:spPr>
+      </p:pic>
+      <p:pic>
+        <p:nvPicPr>
+          <p:cNvPr id="55" name="Picture 54" descr="mass_FDE.png"/>
+          <p:cNvPicPr>
+            <a:picLocks noChangeAspect="1"/>
+          </p:cNvPicPr>
+          <p:nvPr/>
+        </p:nvPicPr>
+        <p:blipFill rotWithShape="1">
+          <a:blip r:embed="rId13">
+            <a:extLst>
+              <a:ext uri="{28A0092B-C50C-407E-A947-70E740481C1C}">
+                <a14:useLocalDpi xmlns:a14="http://schemas.microsoft.com/office/drawing/2010/main" val="0"/>
+              </a:ext>
+            </a:extLst>
+          </a:blip>
+          <a:srcRect l="88849"/>
+          <a:stretch/>
+        </p:blipFill>
+        <p:spPr>
+          <a:xfrm>
+            <a:off x="8153400" y="11734800"/>
+            <a:ext cx="635478" cy="1066800"/>
+          </a:xfrm>
+          <a:prstGeom prst="rect">
+            <a:avLst/>
+          </a:prstGeom>
+        </p:spPr>
+      </p:pic>
+      <p:sp>
+        <p:nvSpPr>
+          <p:cNvPr id="56" name="TextBox 55"/>
+          <p:cNvSpPr txBox="1"/>
+          <p:nvPr/>
+        </p:nvSpPr>
+        <p:spPr>
+          <a:xfrm>
+            <a:off x="304800" y="8001000"/>
+            <a:ext cx="10287000" cy="707886"/>
+          </a:xfrm>
+          <a:prstGeom prst="rect">
+            <a:avLst/>
+          </a:prstGeom>
+          <a:noFill/>
+        </p:spPr>
+        <p:txBody>
+          <a:bodyPr wrap="square" rtlCol="0">
+            <a:spAutoFit/>
+          </a:bodyPr>
+          <a:lstStyle/>
+          <a:p>
+            <a:pPr algn="ctr"/>
+            <a:r>
+              <a:rPr lang="en-US" sz="4000" b="1" dirty="0" smtClean="0">
+                <a:solidFill>
+                  <a:srgbClr val="003399"/>
+                </a:solidFill>
+              </a:rPr>
+              <a:t>Finite Difference Conservation Equations</a:t>
+            </a:r>
+            <a:endParaRPr lang="en-US" sz="4000" b="1" dirty="0">
+              <a:solidFill>
+                <a:srgbClr val="003399"/>
+              </a:solidFill>
+            </a:endParaRPr>
+          </a:p>
+        </p:txBody>
+      </p:sp>
+      <p:sp>
+        <p:nvSpPr>
+          <p:cNvPr id="57" name="TextBox 56"/>
+          <p:cNvSpPr txBox="1"/>
+          <p:nvPr/>
+        </p:nvSpPr>
+        <p:spPr>
+          <a:xfrm>
+            <a:off x="1828800" y="14097000"/>
+            <a:ext cx="6705600" cy="707886"/>
+          </a:xfrm>
+          <a:prstGeom prst="rect">
+            <a:avLst/>
+          </a:prstGeom>
+          <a:noFill/>
+        </p:spPr>
+        <p:txBody>
+          <a:bodyPr wrap="square" rtlCol="0">
+            <a:spAutoFit/>
+          </a:bodyPr>
+          <a:lstStyle/>
+          <a:p>
+            <a:pPr algn="ctr"/>
+            <a:r>
+              <a:rPr lang="en-US" sz="4000" b="1" dirty="0" smtClean="0">
+                <a:solidFill>
+                  <a:srgbClr val="003399"/>
+                </a:solidFill>
+              </a:rPr>
+              <a:t>Modified Equation Analysis</a:t>
+            </a:r>
+            <a:endParaRPr lang="en-US" sz="4000" b="1" dirty="0">
+              <a:solidFill>
+                <a:srgbClr val="003399"/>
+              </a:solidFill>
+            </a:endParaRPr>
+          </a:p>
+        </p:txBody>
+      </p:sp>
+      <p:sp>
+        <p:nvSpPr>
+          <p:cNvPr id="58" name="TextBox 57"/>
+          <p:cNvSpPr txBox="1"/>
+          <p:nvPr/>
+        </p:nvSpPr>
+        <p:spPr>
+          <a:xfrm>
+            <a:off x="1371600" y="16078200"/>
+            <a:ext cx="6705600" cy="707886"/>
+          </a:xfrm>
+          <a:prstGeom prst="rect">
+            <a:avLst/>
+          </a:prstGeom>
+          <a:noFill/>
+        </p:spPr>
+        <p:txBody>
+          <a:bodyPr wrap="square" rtlCol="0">
+            <a:spAutoFit/>
+          </a:bodyPr>
+          <a:lstStyle/>
+          <a:p>
+            <a:pPr algn="ctr"/>
+            <a:r>
+              <a:rPr lang="en-US" sz="4000" b="1" dirty="0" smtClean="0">
+                <a:solidFill>
+                  <a:srgbClr val="003399"/>
+                </a:solidFill>
+              </a:rPr>
+              <a:t>Residual Formulation</a:t>
+            </a:r>
+            <a:endParaRPr lang="en-US" sz="4000" b="1" dirty="0">
+              <a:solidFill>
+                <a:srgbClr val="003399"/>
+              </a:solidFill>
+            </a:endParaRPr>
+          </a:p>
+        </p:txBody>
+      </p:sp>
+      <p:pic>
+        <p:nvPicPr>
+          <p:cNvPr id="54" name="Picture 53" descr="MEA_error.png"/>
+          <p:cNvPicPr>
+            <a:picLocks noChangeAspect="1"/>
+          </p:cNvPicPr>
+          <p:nvPr/>
+        </p:nvPicPr>
+        <p:blipFill>
+          <a:blip r:embed="rId18">
+            <a:extLst>
+              <a:ext uri="{28A0092B-C50C-407E-A947-70E740481C1C}">
+                <a14:useLocalDpi xmlns:a14="http://schemas.microsoft.com/office/drawing/2010/main" val="0"/>
+              </a:ext>
+            </a:extLst>
+          </a:blip>
+          <a:stretch>
+            <a:fillRect/>
+          </a:stretch>
+        </p:blipFill>
+        <p:spPr>
+          <a:xfrm>
+            <a:off x="3733800" y="15087600"/>
+            <a:ext cx="3865055" cy="1020430"/>
+          </a:xfrm>
+          <a:prstGeom prst="rect">
+            <a:avLst/>
+          </a:prstGeom>
+        </p:spPr>
+      </p:pic>
+      <p:sp>
+        <p:nvSpPr>
+          <p:cNvPr id="59" name="TextBox 58"/>
+          <p:cNvSpPr txBox="1"/>
+          <p:nvPr/>
+        </p:nvSpPr>
+        <p:spPr>
+          <a:xfrm>
+            <a:off x="2514600" y="15316200"/>
+            <a:ext cx="1184915" cy="523220"/>
+          </a:xfrm>
+          <a:prstGeom prst="rect">
+            <a:avLst/>
+          </a:prstGeom>
+          <a:noFill/>
+        </p:spPr>
+        <p:txBody>
+          <a:bodyPr wrap="none" rtlCol="0">
+            <a:spAutoFit/>
+          </a:bodyPr>
+          <a:lstStyle/>
+          <a:p>
+            <a:r>
+              <a:rPr lang="en-US" sz="2800" dirty="0" smtClean="0"/>
+              <a:t>Error =</a:t>
+            </a:r>
+            <a:endParaRPr lang="en-US" sz="2800" dirty="0"/>
+          </a:p>
+        </p:txBody>
+      </p:sp>
+      <p:sp>
+        <p:nvSpPr>
+          <p:cNvPr id="62" name="TextBox 61"/>
+          <p:cNvSpPr txBox="1"/>
+          <p:nvPr/>
+        </p:nvSpPr>
+        <p:spPr>
+          <a:xfrm>
+            <a:off x="457200" y="9067800"/>
+            <a:ext cx="890263" cy="492443"/>
+          </a:xfrm>
+          <a:prstGeom prst="rect">
+            <a:avLst/>
+          </a:prstGeom>
+          <a:noFill/>
+        </p:spPr>
+        <p:txBody>
+          <a:bodyPr wrap="none" rtlCol="0">
+            <a:spAutoFit/>
+          </a:bodyPr>
+          <a:lstStyle/>
+          <a:p>
+            <a:r>
+              <a:rPr lang="en-US" sz="2600" dirty="0" smtClean="0"/>
+              <a:t>Mass</a:t>
+            </a:r>
+            <a:endParaRPr lang="en-US" sz="2600" dirty="0"/>
+          </a:p>
+        </p:txBody>
+      </p:sp>
+      <p:sp>
+        <p:nvSpPr>
+          <p:cNvPr id="63" name="TextBox 62"/>
+          <p:cNvSpPr txBox="1"/>
+          <p:nvPr/>
+        </p:nvSpPr>
+        <p:spPr>
+          <a:xfrm>
+            <a:off x="381000" y="10134600"/>
+            <a:ext cx="996086" cy="492443"/>
+          </a:xfrm>
+          <a:prstGeom prst="rect">
+            <a:avLst/>
+          </a:prstGeom>
+          <a:noFill/>
+        </p:spPr>
+        <p:txBody>
+          <a:bodyPr wrap="none" rtlCol="0">
+            <a:spAutoFit/>
+          </a:bodyPr>
+          <a:lstStyle/>
+          <a:p>
+            <a:r>
+              <a:rPr lang="en-US" sz="2600" dirty="0" smtClean="0"/>
+              <a:t>Mom.</a:t>
+            </a:r>
+            <a:endParaRPr lang="en-US" sz="2600" dirty="0"/>
+          </a:p>
+        </p:txBody>
+      </p:sp>
+      <p:sp>
+        <p:nvSpPr>
+          <p:cNvPr id="64" name="TextBox 63"/>
+          <p:cNvSpPr txBox="1"/>
+          <p:nvPr/>
+        </p:nvSpPr>
+        <p:spPr>
+          <a:xfrm>
+            <a:off x="228600" y="11547157"/>
+            <a:ext cx="1120820" cy="492443"/>
+          </a:xfrm>
+          <a:prstGeom prst="rect">
+            <a:avLst/>
+          </a:prstGeom>
+          <a:noFill/>
+        </p:spPr>
+        <p:txBody>
+          <a:bodyPr wrap="none" rtlCol="0">
+            <a:spAutoFit/>
+          </a:bodyPr>
+          <a:lstStyle/>
+          <a:p>
+            <a:r>
+              <a:rPr lang="en-US" sz="2600" dirty="0" smtClean="0"/>
+              <a:t>Energy</a:t>
+            </a:r>
+            <a:endParaRPr lang="en-US" sz="2600" dirty="0"/>
+          </a:p>
+        </p:txBody>
+      </p:sp>
+      <p:sp>
+        <p:nvSpPr>
+          <p:cNvPr id="65" name="TextBox 64"/>
+          <p:cNvSpPr txBox="1"/>
+          <p:nvPr/>
+        </p:nvSpPr>
+        <p:spPr>
+          <a:xfrm>
+            <a:off x="533400" y="12954000"/>
+            <a:ext cx="721434" cy="492443"/>
+          </a:xfrm>
+          <a:prstGeom prst="rect">
+            <a:avLst/>
+          </a:prstGeom>
+          <a:noFill/>
+        </p:spPr>
+        <p:txBody>
+          <a:bodyPr wrap="none" rtlCol="0">
+            <a:spAutoFit/>
+          </a:bodyPr>
+          <a:lstStyle/>
+          <a:p>
+            <a:r>
+              <a:rPr lang="en-US" sz="2600" dirty="0" smtClean="0"/>
+              <a:t>EOS</a:t>
+            </a:r>
+            <a:endParaRPr lang="en-US" sz="2600" dirty="0"/>
+          </a:p>
+        </p:txBody>
+      </p:sp>
+      <p:pic>
+        <p:nvPicPr>
+          <p:cNvPr id="61" name="Picture 60" descr="residual_formulation.png"/>
+          <p:cNvPicPr>
+            <a:picLocks noChangeAspect="1"/>
+          </p:cNvPicPr>
+          <p:nvPr/>
+        </p:nvPicPr>
+        <p:blipFill rotWithShape="1">
+          <a:blip r:embed="rId19">
+            <a:extLst>
+              <a:ext uri="{28A0092B-C50C-407E-A947-70E740481C1C}">
+                <a14:useLocalDpi xmlns:a14="http://schemas.microsoft.com/office/drawing/2010/main" val="0"/>
+              </a:ext>
+            </a:extLst>
+          </a:blip>
+          <a:srcRect b="90920"/>
+          <a:stretch/>
+        </p:blipFill>
+        <p:spPr>
+          <a:xfrm>
+            <a:off x="2743200" y="16916401"/>
+            <a:ext cx="4307352" cy="609600"/>
+          </a:xfrm>
+          <a:prstGeom prst="rect">
+            <a:avLst/>
+          </a:prstGeom>
+        </p:spPr>
+      </p:pic>
+      <p:pic>
+        <p:nvPicPr>
+          <p:cNvPr id="67" name="Picture 66" descr="residual_formulation.png"/>
+          <p:cNvPicPr>
+            <a:picLocks noChangeAspect="1"/>
+          </p:cNvPicPr>
+          <p:nvPr/>
+        </p:nvPicPr>
+        <p:blipFill rotWithShape="1">
+          <a:blip r:embed="rId19">
+            <a:extLst>
+              <a:ext uri="{28A0092B-C50C-407E-A947-70E740481C1C}">
+                <a14:useLocalDpi xmlns:a14="http://schemas.microsoft.com/office/drawing/2010/main" val="0"/>
+              </a:ext>
+            </a:extLst>
+          </a:blip>
+          <a:srcRect t="89680"/>
+          <a:stretch/>
+        </p:blipFill>
+        <p:spPr>
+          <a:xfrm>
+            <a:off x="2133600" y="19659600"/>
+            <a:ext cx="4737224" cy="762000"/>
+          </a:xfrm>
+          <a:prstGeom prst="rect">
+            <a:avLst/>
+          </a:prstGeom>
+        </p:spPr>
+      </p:pic>
+      <p:pic>
+        <p:nvPicPr>
+          <p:cNvPr id="68" name="Picture 67" descr="residual_formulation.png"/>
+          <p:cNvPicPr>
+            <a:picLocks noChangeAspect="1"/>
+          </p:cNvPicPr>
+          <p:nvPr/>
+        </p:nvPicPr>
+        <p:blipFill rotWithShape="1">
+          <a:blip r:embed="rId19">
+            <a:extLst>
+              <a:ext uri="{28A0092B-C50C-407E-A947-70E740481C1C}">
+                <a14:useLocalDpi xmlns:a14="http://schemas.microsoft.com/office/drawing/2010/main" val="0"/>
+              </a:ext>
+            </a:extLst>
+          </a:blip>
+          <a:srcRect t="44546" b="43327"/>
+          <a:stretch/>
+        </p:blipFill>
+        <p:spPr>
+          <a:xfrm>
+            <a:off x="2590800" y="18211800"/>
+            <a:ext cx="4434524" cy="838200"/>
+          </a:xfrm>
+          <a:prstGeom prst="rect">
+            <a:avLst/>
+          </a:prstGeom>
+        </p:spPr>
+      </p:pic>
+      <p:pic>
+        <p:nvPicPr>
+          <p:cNvPr id="69" name="Picture 68" descr="residual_formulation.png"/>
+          <p:cNvPicPr>
+            <a:picLocks noChangeAspect="1"/>
+          </p:cNvPicPr>
+          <p:nvPr/>
+        </p:nvPicPr>
+        <p:blipFill rotWithShape="1">
+          <a:blip r:embed="rId19">
+            <a:extLst>
+              <a:ext uri="{28A0092B-C50C-407E-A947-70E740481C1C}">
+                <a14:useLocalDpi xmlns:a14="http://schemas.microsoft.com/office/drawing/2010/main" val="0"/>
+              </a:ext>
+            </a:extLst>
+          </a:blip>
+          <a:srcRect t="21848" b="67809"/>
+          <a:stretch/>
+        </p:blipFill>
+        <p:spPr>
+          <a:xfrm>
+            <a:off x="2514600" y="17526000"/>
+            <a:ext cx="4792181" cy="772597"/>
+          </a:xfrm>
+          <a:prstGeom prst="rect">
+            <a:avLst/>
+          </a:prstGeom>
+        </p:spPr>
+      </p:pic>
+      <p:pic>
+        <p:nvPicPr>
+          <p:cNvPr id="70" name="Picture 69" descr="residual_formulation.png"/>
+          <p:cNvPicPr>
+            <a:picLocks noChangeAspect="1"/>
+          </p:cNvPicPr>
+          <p:nvPr/>
+        </p:nvPicPr>
+        <p:blipFill rotWithShape="1">
+          <a:blip r:embed="rId19">
+            <a:extLst>
+              <a:ext uri="{28A0092B-C50C-407E-A947-70E740481C1C}">
+                <a14:useLocalDpi xmlns:a14="http://schemas.microsoft.com/office/drawing/2010/main" val="0"/>
+              </a:ext>
+            </a:extLst>
+          </a:blip>
+          <a:srcRect t="67729" b="22641"/>
+          <a:stretch/>
+        </p:blipFill>
+        <p:spPr>
+          <a:xfrm>
+            <a:off x="2593883" y="18973800"/>
+            <a:ext cx="4568917" cy="685800"/>
+          </a:xfrm>
+          <a:prstGeom prst="rect">
+            <a:avLst/>
+          </a:prstGeom>
+        </p:spPr>
+      </p:pic>
+      <p:sp>
+        <p:nvSpPr>
+          <p:cNvPr id="66" name="Rectangle 65"/>
+          <p:cNvSpPr/>
+          <p:nvPr/>
+        </p:nvSpPr>
+        <p:spPr>
+          <a:xfrm>
+            <a:off x="0" y="335340"/>
+            <a:ext cx="29260800" cy="1569660"/>
+          </a:xfrm>
+          <a:prstGeom prst="rect">
+            <a:avLst/>
+          </a:prstGeom>
+        </p:spPr>
+        <p:txBody>
+          <a:bodyPr wrap="square">
+            <a:spAutoFit/>
+          </a:bodyPr>
+          <a:lstStyle/>
+          <a:p>
+            <a:pPr algn="ctr"/>
+            <a:r>
+              <a:rPr lang="en-US" sz="9600" dirty="0" smtClean="0">
+                <a:solidFill>
+                  <a:srgbClr val="003399"/>
+                </a:solidFill>
+              </a:rPr>
+              <a:t>Initial 1-D Single Phase Liquid Verification of CTF </a:t>
+            </a:r>
+            <a:endParaRPr lang="en-US" sz="9600" dirty="0">
+              <a:solidFill>
+                <a:srgbClr val="003399"/>
+              </a:solidFill>
+            </a:endParaRPr>
           </a:p>
         </p:txBody>
       </p:sp>
